--- a/Microsoft-Power-BI-Portfolio-Project.pptx
+++ b/Microsoft-Power-BI-Portfolio-Project.pptx
@@ -6,8 +6,8 @@
   </p:sldMasterIdLst>
   <p:sldIdLst>
     <p:sldId id="256" r:id="rId5"/>
-    <p:sldId id="258" r:id="rId6"/>
-    <p:sldId id="259" r:id="rId7"/>
+    <p:sldId id="259" r:id="rId6"/>
+    <p:sldId id="260" r:id="rId7"/>
   </p:sldIdLst>
   <p:sldSz cx="12192000" cy="6858000"/>
   <p:notesSz cx="6858000" cy="9144000"/>
@@ -117,48 +117,12 @@
 </p:presentation>
 </file>
 
-<file path=ppt/changesInfos/changesInfo1.xml><?xml version="1.0" encoding="utf-8"?>
-<pc:chgInfo xmlns:a="http://schemas.openxmlformats.org/drawingml/2006/main" xmlns:r="http://schemas.openxmlformats.org/officeDocument/2006/relationships" xmlns:ac="http://schemas.microsoft.com/office/drawing/2013/main/command" xmlns:pc="http://schemas.microsoft.com/office/powerpoint/2013/main/command">
-  <pc:docChgLst>
-    <pc:chgData name="Nick Rozga" userId="99094714e0505a96" providerId="LiveId" clId="{A121FE7E-EF43-4DBA-8EA3-5BE5CE369168}"/>
-    <pc:docChg chg="custSel modSld">
-      <pc:chgData name="Nick Rozga" userId="99094714e0505a96" providerId="LiveId" clId="{A121FE7E-EF43-4DBA-8EA3-5BE5CE369168}" dt="2022-10-13T21:16:41.740" v="1" actId="478"/>
-      <pc:docMkLst>
-        <pc:docMk/>
-      </pc:docMkLst>
-      <pc:sldChg chg="delSp mod">
-        <pc:chgData name="Nick Rozga" userId="99094714e0505a96" providerId="LiveId" clId="{A121FE7E-EF43-4DBA-8EA3-5BE5CE369168}" dt="2022-10-13T21:16:36.176" v="0" actId="478"/>
-        <pc:sldMkLst>
-          <pc:docMk/>
-          <pc:sldMk cId="3558697295" sldId="258"/>
-        </pc:sldMkLst>
-        <pc:spChg chg="del">
-          <ac:chgData name="Nick Rozga" userId="99094714e0505a96" providerId="LiveId" clId="{A121FE7E-EF43-4DBA-8EA3-5BE5CE369168}" dt="2022-10-13T21:16:36.176" v="0" actId="478"/>
-          <ac:spMkLst>
-            <pc:docMk/>
-            <pc:sldMk cId="3558697295" sldId="258"/>
-            <ac:spMk id="4" creationId="{E2800AC3-D497-6BF0-CB39-893D18A385C7}"/>
-          </ac:spMkLst>
-        </pc:spChg>
-      </pc:sldChg>
-      <pc:sldChg chg="delSp mod">
-        <pc:chgData name="Nick Rozga" userId="99094714e0505a96" providerId="LiveId" clId="{A121FE7E-EF43-4DBA-8EA3-5BE5CE369168}" dt="2022-10-13T21:16:41.740" v="1" actId="478"/>
-        <pc:sldMkLst>
-          <pc:docMk/>
-          <pc:sldMk cId="3369812796" sldId="259"/>
-        </pc:sldMkLst>
-        <pc:spChg chg="del">
-          <ac:chgData name="Nick Rozga" userId="99094714e0505a96" providerId="LiveId" clId="{A121FE7E-EF43-4DBA-8EA3-5BE5CE369168}" dt="2022-10-13T21:16:41.740" v="1" actId="478"/>
-          <ac:spMkLst>
-            <pc:docMk/>
-            <pc:sldMk cId="3369812796" sldId="259"/>
-            <ac:spMk id="4" creationId="{F1E7E730-CE48-5CE2-43E9-B1EB13DC02E8}"/>
-          </ac:spMkLst>
-        </pc:spChg>
-      </pc:sldChg>
-    </pc:docChg>
-  </pc:docChgLst>
-</pc:chgInfo>
+<file path=ppt/revisionInfo.xml><?xml version="1.0" encoding="utf-8"?>
+<p1510:revInfo xmlns:a="http://schemas.openxmlformats.org/drawingml/2006/main" xmlns:r="http://schemas.openxmlformats.org/officeDocument/2006/relationships" xmlns:p1510="http://schemas.microsoft.com/office/powerpoint/2015/10/main">
+  <p1510:revLst>
+    <p1510:client id="{87BC108F-2AB8-48DA-AB49-F9E86BDDFE2F}" v="6" dt="2018-08-08T09:06:44.784"/>
+  </p1510:revLst>
+</p1510:revInfo>
 </file>
 
 <file path=ppt/slideLayouts/slideLayout1.xml><?xml version="1.0" encoding="utf-8"?>
@@ -308,7 +272,7 @@
           <a:p>
             <a:fld id="{37A2730A-859E-B540-ADF3-E97069AD1FDB}" type="datetimeFigureOut">
               <a:rPr lang="en-US" smtClean="0"/>
-              <a:t>10/13/2022</a:t>
+              <a:t>1/3/2023</a:t>
             </a:fld>
             <a:endParaRPr lang="en-US"/>
           </a:p>
@@ -506,7 +470,7 @@
           <a:p>
             <a:fld id="{37A2730A-859E-B540-ADF3-E97069AD1FDB}" type="datetimeFigureOut">
               <a:rPr lang="en-US" smtClean="0"/>
-              <a:t>10/13/2022</a:t>
+              <a:t>1/3/2023</a:t>
             </a:fld>
             <a:endParaRPr lang="en-US"/>
           </a:p>
@@ -714,7 +678,7 @@
           <a:p>
             <a:fld id="{37A2730A-859E-B540-ADF3-E97069AD1FDB}" type="datetimeFigureOut">
               <a:rPr lang="en-US" smtClean="0"/>
-              <a:t>10/13/2022</a:t>
+              <a:t>1/3/2023</a:t>
             </a:fld>
             <a:endParaRPr lang="en-US"/>
           </a:p>
@@ -912,7 +876,7 @@
           <a:p>
             <a:fld id="{37A2730A-859E-B540-ADF3-E97069AD1FDB}" type="datetimeFigureOut">
               <a:rPr lang="en-US" smtClean="0"/>
-              <a:t>10/13/2022</a:t>
+              <a:t>1/3/2023</a:t>
             </a:fld>
             <a:endParaRPr lang="en-US"/>
           </a:p>
@@ -1187,7 +1151,7 @@
           <a:p>
             <a:fld id="{37A2730A-859E-B540-ADF3-E97069AD1FDB}" type="datetimeFigureOut">
               <a:rPr lang="en-US" smtClean="0"/>
-              <a:t>10/13/2022</a:t>
+              <a:t>1/3/2023</a:t>
             </a:fld>
             <a:endParaRPr lang="en-US"/>
           </a:p>
@@ -1452,7 +1416,7 @@
           <a:p>
             <a:fld id="{37A2730A-859E-B540-ADF3-E97069AD1FDB}" type="datetimeFigureOut">
               <a:rPr lang="en-US" smtClean="0"/>
-              <a:t>10/13/2022</a:t>
+              <a:t>1/3/2023</a:t>
             </a:fld>
             <a:endParaRPr lang="en-US"/>
           </a:p>
@@ -1864,7 +1828,7 @@
           <a:p>
             <a:fld id="{37A2730A-859E-B540-ADF3-E97069AD1FDB}" type="datetimeFigureOut">
               <a:rPr lang="en-US" smtClean="0"/>
-              <a:t>10/13/2022</a:t>
+              <a:t>1/3/2023</a:t>
             </a:fld>
             <a:endParaRPr lang="en-US"/>
           </a:p>
@@ -2005,7 +1969,7 @@
           <a:p>
             <a:fld id="{37A2730A-859E-B540-ADF3-E97069AD1FDB}" type="datetimeFigureOut">
               <a:rPr lang="en-US" smtClean="0"/>
-              <a:t>10/13/2022</a:t>
+              <a:t>1/3/2023</a:t>
             </a:fld>
             <a:endParaRPr lang="en-US"/>
           </a:p>
@@ -2118,7 +2082,7 @@
           <a:p>
             <a:fld id="{37A2730A-859E-B540-ADF3-E97069AD1FDB}" type="datetimeFigureOut">
               <a:rPr lang="en-US" smtClean="0"/>
-              <a:t>10/13/2022</a:t>
+              <a:t>1/3/2023</a:t>
             </a:fld>
             <a:endParaRPr lang="en-US"/>
           </a:p>
@@ -2429,7 +2393,7 @@
           <a:p>
             <a:fld id="{37A2730A-859E-B540-ADF3-E97069AD1FDB}" type="datetimeFigureOut">
               <a:rPr lang="en-US" smtClean="0"/>
-              <a:t>10/13/2022</a:t>
+              <a:t>1/3/2023</a:t>
             </a:fld>
             <a:endParaRPr lang="en-US"/>
           </a:p>
@@ -2717,7 +2681,7 @@
           <a:p>
             <a:fld id="{37A2730A-859E-B540-ADF3-E97069AD1FDB}" type="datetimeFigureOut">
               <a:rPr lang="en-US" smtClean="0"/>
-              <a:t>10/13/2022</a:t>
+              <a:t>1/3/2023</a:t>
             </a:fld>
             <a:endParaRPr lang="en-US"/>
           </a:p>
@@ -2958,7 +2922,7 @@
           <a:p>
             <a:fld id="{37A2730A-859E-B540-ADF3-E97069AD1FDB}" type="datetimeFigureOut">
               <a:rPr lang="en-US" smtClean="0"/>
-              <a:t>10/13/2022</a:t>
+              <a:t>1/3/2023</a:t>
             </a:fld>
             <a:endParaRPr lang="en-US"/>
           </a:p>
@@ -3386,14 +3350,14 @@
               <p:nvPr>
                 <p:extLst>
                   <p:ext uri="{D42A27DB-BD31-4B8C-83A1-F6EECF244321}">
-                    <p14:modId xmlns:p14="http://schemas.microsoft.com/office/powerpoint/2010/main" val="2759390313"/>
+                    <p14:modId xmlns:p14="http://schemas.microsoft.com/office/powerpoint/2010/main" val="1000822465"/>
                   </p:ext>
                 </p:extLst>
               </p:nvPr>
             </p:nvGraphicFramePr>
             <p:xfrm>
-              <a:off x="721012" y="761137"/>
-              <a:ext cx="10749976" cy="5335725"/>
+              <a:off x="0" y="0"/>
+              <a:ext cx="12192000" cy="6858000"/>
             </p:xfrm>
             <a:graphic>
               <a:graphicData uri="http://schemas.microsoft.com/office/webextensions/webextension/2010/11">
@@ -3419,8 +3383,8 @@
             </p:blipFill>
             <p:spPr>
               <a:xfrm>
-                <a:off x="721012" y="761137"/>
-                <a:ext cx="10749976" cy="5335725"/>
+                <a:off x="0" y="0"/>
+                <a:ext cx="12192000" cy="6858000"/>
               </a:xfrm>
               <a:prstGeom prst="rect">
                 <a:avLst/>
@@ -3467,17 +3431,11 @@
               <p:cNvGraphicFramePr>
                 <a:graphicFrameLocks noGrp="1"/>
               </p:cNvGraphicFramePr>
-              <p:nvPr>
-                <p:extLst>
-                  <p:ext uri="{D42A27DB-BD31-4B8C-83A1-F6EECF244321}">
-                    <p14:modId xmlns:p14="http://schemas.microsoft.com/office/powerpoint/2010/main" val="2969396529"/>
-                  </p:ext>
-                </p:extLst>
-              </p:nvPr>
+              <p:nvPr/>
             </p:nvGraphicFramePr>
             <p:xfrm>
-              <a:off x="721012" y="761137"/>
-              <a:ext cx="10749976" cy="5335725"/>
+              <a:off x="0" y="0"/>
+              <a:ext cx="12192000" cy="6857999"/>
             </p:xfrm>
             <a:graphic>
               <a:graphicData uri="http://schemas.microsoft.com/office/webextensions/webextension/2010/11">
@@ -3503,8 +3461,8 @@
             </p:blipFill>
             <p:spPr>
               <a:xfrm>
-                <a:off x="721012" y="761137"/>
-                <a:ext cx="10749976" cy="5335725"/>
+                <a:off x="0" y="0"/>
+                <a:ext cx="12192000" cy="6857999"/>
               </a:xfrm>
               <a:prstGeom prst="rect">
                 <a:avLst/>
@@ -3516,7 +3474,7 @@
     </p:spTree>
     <p:extLst>
       <p:ext uri="{BB962C8B-B14F-4D97-AF65-F5344CB8AC3E}">
-        <p14:creationId xmlns:p14="http://schemas.microsoft.com/office/powerpoint/2010/main" val="3558697295"/>
+        <p14:creationId xmlns:p14="http://schemas.microsoft.com/office/powerpoint/2010/main" val="588283312"/>
       </p:ext>
     </p:extLst>
   </p:cSld>
@@ -3551,17 +3509,11 @@
               <p:cNvGraphicFramePr>
                 <a:graphicFrameLocks noGrp="1"/>
               </p:cNvGraphicFramePr>
-              <p:nvPr>
-                <p:extLst>
-                  <p:ext uri="{D42A27DB-BD31-4B8C-83A1-F6EECF244321}">
-                    <p14:modId xmlns:p14="http://schemas.microsoft.com/office/powerpoint/2010/main" val="1832894279"/>
-                  </p:ext>
-                </p:extLst>
-              </p:nvPr>
+              <p:nvPr/>
             </p:nvGraphicFramePr>
             <p:xfrm>
-              <a:off x="721012" y="761137"/>
-              <a:ext cx="10749976" cy="5335725"/>
+              <a:off x="0" y="0"/>
+              <a:ext cx="12192000" cy="6857999"/>
             </p:xfrm>
             <a:graphic>
               <a:graphicData uri="http://schemas.microsoft.com/office/webextensions/webextension/2010/11">
@@ -3587,8 +3539,8 @@
             </p:blipFill>
             <p:spPr>
               <a:xfrm>
-                <a:off x="721012" y="761137"/>
-                <a:ext cx="10749976" cy="5335725"/>
+                <a:off x="0" y="0"/>
+                <a:ext cx="12192000" cy="6857999"/>
               </a:xfrm>
               <a:prstGeom prst="rect">
                 <a:avLst/>
@@ -3600,7 +3552,7 @@
     </p:spTree>
     <p:extLst>
       <p:ext uri="{BB962C8B-B14F-4D97-AF65-F5344CB8AC3E}">
-        <p14:creationId xmlns:p14="http://schemas.microsoft.com/office/powerpoint/2010/main" val="3369812796"/>
+        <p14:creationId xmlns:p14="http://schemas.microsoft.com/office/powerpoint/2010/main" val="1457800780"/>
       </p:ext>
     </p:extLst>
   </p:cSld>
@@ -3912,24 +3864,23 @@
 </file>
 
 <file path=ppt/webextensions/webextension1.xml><?xml version="1.0" encoding="utf-8"?>
-<we:webextension xmlns:we="http://schemas.microsoft.com/office/webextensions/webextension/2010/11" id="{f994721e-a7d0-4e71-9f95-d722029f478e}">
+<we:webextension xmlns:we="http://schemas.microsoft.com/office/webextensions/webextension/2010/11" id="{a6894aab-fc13-4e33-b2e5-a8be4f82b11e}">
   <we:reference id="WA200003233" version="2.0.0.3" store="en-US" storeType="OMEX"/>
   <we:alternateReferences/>
   <we:properties>
     <we:property name="Microsoft.Office.CampaignId" value="&quot;none&quot;"/>
-    <we:property name="reportUrl" value="&quot;/groups/me/reports/1a9c70f2-4186-4e54-b2b9-0b2f163cb38c/ReportSection?bookmarkGuid=ad80bc78-6cf8-482d-84e7-4f3d48c165e8&amp;bookmarkUsage=1&amp;ctid=fa878e4f-3c96-422c-81c7-cb4196ec4e25&amp;fromEntryPoint=export&quot;"/>
+    <we:property name="creatorTenantId" value="&quot;fa878e4f-3c96-422c-81c7-cb4196ec4e25&quot;"/>
+    <we:property name="reportUrl" value="&quot;/groups/me/reports/c32934d9-3895-4880-b3e4-72c6d0ea7560?bookmarkGuid=c504516f-db70-4f32-b7a2-9878bd3108cc&amp;bookmarkUsage=1&amp;ctid=fa878e4f-3c96-422c-81c7-cb4196ec4e25&amp;fromEntryPoint=export&quot;"/>
     <we:property name="reportState" value="&quot;CONNECTED&quot;"/>
-    <we:property name="creatorTenantId" value="&quot;fa878e4f-3c96-422c-81c7-cb4196ec4e25&quot;"/>
-    <we:property name="reportEmbeddedTime" value="&quot;2022-10-13T21:10:48.544Z&quot;"/>
-    <we:property name="creatorSessionId" value="&quot;135327e3-72ca-4ace-97fd-beb3c48bc2dc&quot;"/>
+    <we:property name="reportEmbeddedTime" value="&quot;2023-01-03T21:35:44.128Z&quot;"/>
+    <we:property name="creatorSessionId" value="&quot;7db32d2f-120f-44f7-a399-c4807797731e&quot;"/>
     <we:property name="creatorUserId" value="&quot;100320023D519A1D&quot;"/>
-    <we:property name="reportName" value="&quot;Power BI Portfolio Project (8)&quot;"/>
+    <we:property name="reportName" value="&quot;Power BI Portfolio Project (9)&quot;"/>
     <we:property name="isFiltersActionButtonVisible" value="true"/>
-    <we:property name="initialStateBookmark" value="&quot;H4sIAAAAAAAAA+1WyW7bMBD9FYNnodBibbk5rtNDmsSIi1wKoxiKY4UJLQoUldo1/O8lKRtJnGZpWrdokZOpx/HMm8fHZUUYb2oBy1OYIzkgh1Jez0Fd9wLikWqDnZ0dnwzOj7+cDk5GBpa15rJqyMGKaFAl6gvetCBsBgN+nnoEhBhDab9mIBr0SI2qkRUI/g27YDOlVYtrj+CiFlKBTTnRoNGmvTHh5tvUDt5FpiIUmt/gBAvdoedYS6W33x5pupGjdH/OJnMFh7LSwCuT2GKzJPCLNA5oH0JKIfQTKBzOhd6E0OVoUSvTz2qrw5GbzChlcRjHGaRBkeYspHFsKOhlbWMG7AaqAhlxjSlsmg2LoRTt3I1G9/CJbFWB5zhzU5XmemnSNCCMemsjz1hJI54DB3PZVtqhl/LrUKFRi5GDYO2ttuWHBiql4gWIX2QgZAGdpjssPqB8QMG/Q+FRBQZlqbCE7bKM9ijPUVttlt9/SHVqkIZXpdhY8dYjn7oOCsdleAlKW7fTK+MlawnzP6kYqsOlc8V7rrYmC70d2n+r1/V0u1lM8NWdXbExRsf8tzphurZwlMVp5ENKozzAsMhpGvUf31D/ilX2sbFqlLXAXUbd2dKjy94nhPkPNtizrqWg3iz7cxp31u2HQT+OkzQKcxaw2M9Ymj9r3X37YWIl7HXX5mvcoIEKHC1eaIZg1wx7aMGq7REaURYmmbk68xyz2I/Dwre5nm4GF5rKnWZstlmGtGAQsqRvLvPMLGOY/smlU5K1ls5O5+MO/8+vyZrj24HzYid0Zw3FHJIgghnEBcuizGfdNfmk0Hxu3tIPzZ9h2O8ns9wPwsxYH5IoCl67lVzCW4TM0bzr7UC2uqmhwDFU6HSpu+Y4ujhjXaiYNYwbK/v7kZu915W+ANG6quapT1wNQ4abk+mF8Z1s6+9gApsupQwAAA==&quot;"/>
-    <we:property name="bookmark" value="&quot;H4sIAAAAAAAAA+1Wy27bMBD8FUNnoZAoUY/cEtfprTDioJfChyW5UpTQokBRrl3D/15SstHYaR5N6xYtchOHq+XscJbkxhNV20hYf4QFemfehVJ3C9B3o9DzvfoQQ8YZ0gJyliUxJ0EQUGGjVGMqVbfe2cYzoEs0n6q2A+kSWvDz3PdAyimUblSAbNH3GtStqkFWX3EItlNGd7j1PVw1UmlwKWcGDLq0Sxtux5ZK+C6yKwI31RJnyM2AXmGjtNmPfa8dvnpKh3MuWb/gWNUGqtomdliRhAFPachiIIwBCRLgPV5Jswth68mq0baezV6Wy34yY0xQQmkGacjTXBBGqaVg1o2LORdLqDk6mWxhGtt2x2KsZLfovyYH+Ex1muMVFv1UbSqztmlakFa9rZVnqpUVrwfPF6qrTY/eqC9jjVYt4Z2FW3+zX35soVLpioP8RQZScRg0PWLxAdUDCsE9Co8qcF6WGkvYb8vkhPJcdvVu+4OHVOcWaau6lDsrfvfI9VAB77mMb0Ab53Z2a73kLGH/U1qgvlj3rnhf6b3JiH9E+2/Vup3vm8UG397rip0xBua/1QnzrYOjjKZRACmL8hAJz1kaxY831L9ilVM0VoOqkXjMaDhbRmw9ukZY/KDBnnUtA/1m2Z/TeLBuTMKY0iSNSC5CQYNMpPmz1j21H2ZOwtFwbb7GDQaYxMnqhWYIj81wghKc2r7HIiZIktmrM88xowElPHC5ni4GV4apo2JctiKzTxQBRCSxvcwzu40k/ZNbp5XoHJ2jyqcD/p9fk02FbwfOi50wnDUMc0jCCAqgXGRRFojhmnxS6Gph39IPzZ8hieOkyIOQZNb6kERR+NpW6hMeIN8AO6Qr2CgMAAA=&quot;"/>
-    <we:property name="embedUrl" value="&quot;/reportEmbed?reportId=1a9c70f2-4186-4e54-b2b9-0b2f163cb38c&amp;config=eyJjbHVzdGVyVXJsIjoiaHR0cHM6Ly9XQUJJLVdFU1QtVVMtRS1QUklNQVJZLXJlZGlyZWN0LmFuYWx5c2lzLndpbmRvd3MubmV0IiwiZW1iZWRGZWF0dXJlcyI6eyJtb2Rlcm5FbWJlZCI6dHJ1ZSwidXNhZ2VNZXRyaWNzVk5leHQiOnRydWUsInNraXBRdWVyeURhdGFTYWFTRW1iZWQiOnRydWUsInNraXBRdWVyeURhdGFQYWFTRW1iZWQiOnRydWUsInNraXBRdWVyeURhdGFFeHBvcnRUbyI6dHJ1ZX19&amp;disableSensitivityBanner=true&quot;"/>
-    <we:property name="datasetId" value="&quot;3c2e5826-84e7-49bb-8d5f-85106b9d7806&quot;"/>
-    <we:property name="pageName" value="&quot;ReportSection&quot;"/>
+    <we:property name="initialStateBookmark" value="&quot;H4sIAAAAAAAAA+1X227jNhD9FUNANy9Cofslb47XKYptNoazSB8WRjEUxw43lChQVBpv4H8vLxaSOI3jZpsWRfdFIIfD4eHhGXJ051HWtRzWH6FG79g7EeK6Bnk9Cj3fa7a28/MPZ+P5h98+js+m2ixaxUTTecd3ngK5QnXJuh64iaCNnxe+B5zPYGV6S+Ad+l6LshMNcPYVnbMeUrLHje/hbcuFBBPyQoFCE/ZGu+u+Xjv8MdYrQqXYDV5gpZx1jq2Qauj7XudaFtLjMRPMLjgRjQLW6MDGtszCoMrTkCQQEQJRkEFl7YyrrQtZT29bqfdzN/BwagcLQmgapWkBeVjlJY1ImmoIat0anzG9gaZC6tmNSey6LYqJ4H1tW9NH9gvRywrnuLRDjWJqrcN0wDV7G03PTApNnjWOa9E3ylqvxO8TiZot6h2HG/9uWH6iTSshWQX8GxFwUYHjdAfFTyieQAgeQHiWgfFqJXEFw7FM35Ce077ZHn+wD+o/wNYcV2biUxQLbelYs+LbhLhX6icHrrIAJlcglck58kUr2ghTzxOSojxZW22+Z3KQeuTvYP23GN8shpTVzl8e5OaWcIf8b9XjYmPMcZHmcQA5icsQo6okeZw8n9b/Z8G2KFqOu4jcDTci69EnhPo1qiUgv0v2r3HspJtEYZKmWR5HJQ1pGhQ0L1+U7lvr4cJQOHKP92vUoIBwnN4eKIZwVwxvsAXDtu+RmNAoK/QDXpZYpEEaVYGJtX8zeKuI2NmMibYskFQUIpoluqQo9DFG+YHFBI2TIMiSmKZAwzLJ82W6vC8mHh+vC2eiXQ7lkU6fUylqG3dbwLXa854SKWhvkPqe20RgdP7rFUrc6rmhbMi1n3eY7g6XvOvY1XfonzkEnk2wS+C9LRF13F+Y3oxj2Zq171FZ/jB6b4rPd6NZL/HIznrGd8xrDX40uRKV2Ot4Atcoj44656q/rO32TphWHJjc73PG+PXoBF70apRd8ACYc+haglKuD/A9l9Cs8IHjwgr7G2+AQSvPnuB/uOZ78aZqGX5/tw5WgnuyCJaQhTEsIa1oERcBddXWXqJZrX8Mn96hBUZJki3LIIwKfYNCFsfha29kG/De4tWof1JNQ/Sqa6HCGTTu/mvd5hhaPy1daKgRjG3bq/ZP0s/8t3p2DQ2G6QfuQH9H2+YP9HGxTHIPAAA=&quot;"/>
+    <we:property name="bookmark" value="&quot;H4sIAAAAAAAAA+1X227jNhD9FUNAmxej0P2St8TrLBboxUgW6UPhhyE5crihRIGi0riB/315sZDEaRw327RY7L4I5HA4PDw8Q47uAsb7TsD6V2gwOA5OpbxuQF1PomAatI9tOSM5oSkL67jCJMyRxqnxkp3msu2D47tAg1qhvuT9AMIGNMY/ltMAhFjAyvZqED1Ogw5VL1sQ/C/0zmZIqwE30wBvOyEV2JAXGjTasDfG3fQNlOinxKwIVPMbvECqvfUcO6n02J8GvW85SI/HbDC34Ey2GnhrAltbnUchLbKIpBATAnGYA3V2LvTWhaznt50y+7kbaTlzgyUhLIuzrIQiokXFYpJlBoJed9bnhN1AS5EFbmMK+36LYibF0LjW/JH9Qg6K4jnWbqjVXK9NmB6EYW9j6FkoachzxpNGDq121iv550yhYYsFx9FmejcuPzOmlVScgvhCBEJS8JzuoHiP8gmE8AGEZxk4Wa0UrmA8lvkb0nM2tNvjD/dB/Q/YOseVnfgUxdJYet6uxDYh7pX60YOjDsDsCpS2OUc+GUVbYZp5UjFUp2unzXdcjVKPpztY/y/GN8sxZY3zpwe5uSXcI/9X9bjcWHNSZkUSQkGSKsKYVqRI0ufT+lsWbIeyE7iLyN9wE7KefERoXqNaAuq7ZP8Zx166aRylWZYXSVyxiGVhyYrqRem+tR4uLIUT/3i/Rg0aiMD57YFiiHbF8AZbsGxPA5IQFuelecCrCssszGIa2lj7N4O3msidzdhodYmEMohZnpqSojTHGBcHFhMsScMwTxOWAYuqtCjqrL4vJh4frw9no12O5ZFJnzMlGxd3W891xvOeEiXZYJFOA7+J0Or89ytUuNVzy/iYax92mO4Pl7zvuNV36F94BIFLsEsQgysRTdyfudmMZ9mZje9RVf0weWdr0R8ni0HhkZv1jO+JaAz4yexKUrnX8RSuUR0d9d7VfHnX750wpwK42u/zCxfXk1N40avVbsEDYJ5D3xFUan2A728K2hU+cFw6YX/hDTBq5dkT/Iprvhdvqo7j93frYCX4J4tgBXmUQA0ZZWVShsxXW3uJ5o35MXx6h5YYp2leV2EUl+YGhTxJotfeyC7gvSVo0Pyk2oYcdN8BxQW0/v7r/OY4Oj8jXWiZFYxru6v2b9LP/dIGbhnLw+YzAluiVVIPAAA=&quot;"/>
+    <we:property name="embedUrl" value="&quot;/reportEmbed?reportId=c32934d9-3895-4880-b3e4-72c6d0ea7560&amp;config=eyJjbHVzdGVyVXJsIjoiaHR0cHM6Ly9XQUJJLVdFU1QtVVMtRS1QUklNQVJZLXJlZGlyZWN0LmFuYWx5c2lzLndpbmRvd3MubmV0IiwiZW1iZWRGZWF0dXJlcyI6eyJtb2Rlcm5FbWJlZCI6dHJ1ZSwidXNhZ2VNZXRyaWNzVk5leHQiOnRydWV9fQ%3D%3D&amp;disableSensitivityBanner=true&quot;"/>
+    <we:property name="datasetId" value="&quot;251f1453-0536-416e-b783-0d29a0693157&quot;"/>
     <we:property name="pageDisplayName" value="&quot;Intro and some Visuals&quot;"/>
     <we:property name="backgroundColor" value="&quot;rgb(255,255,255)&quot;"/>
   </we:properties>
@@ -3939,23 +3890,23 @@
 </file>
 
 <file path=ppt/webextensions/webextension2.xml><?xml version="1.0" encoding="utf-8"?>
-<we:webextension xmlns:we="http://schemas.microsoft.com/office/webextensions/webextension/2010/11" id="{374d67af-8673-441a-b86a-437ef98c47ce}">
+<we:webextension xmlns:we="http://schemas.microsoft.com/office/webextensions/webextension/2010/11" id="{926c3a07-8865-4d18-b921-e1ec245ccd75}">
   <we:reference id="WA200003233" version="2.0.0.3" store="en-US" storeType="OMEX"/>
   <we:alternateReferences/>
   <we:properties>
     <we:property name="Microsoft.Office.CampaignId" value="&quot;none&quot;"/>
-    <we:property name="reportUrl" value="&quot;/groups/me/reports/1a9c70f2-4186-4e54-b2b9-0b2f163cb38c/ReportSection3478c46895f85b630b46?bookmarkGuid=5cf306c2-48af-4f8e-85f3-b0c984f2a35e&amp;bookmarkUsage=1&amp;ctid=fa878e4f-3c96-422c-81c7-cb4196ec4e25&amp;fromEntryPoint=export&quot;"/>
+    <we:property name="creatorTenantId" value="&quot;fa878e4f-3c96-422c-81c7-cb4196ec4e25&quot;"/>
+    <we:property name="reportUrl" value="&quot;/groups/me/reports/c32934d9-3895-4880-b3e4-72c6d0ea7560/ReportSection3478c46895f85b630b46?bookmarkGuid=93f11f42-1e21-4f1c-9a2f-fd14c3df9252&amp;bookmarkUsage=1&amp;ctid=fa878e4f-3c96-422c-81c7-cb4196ec4e25&amp;fromEntryPoint=export&quot;"/>
     <we:property name="reportState" value="&quot;CONNECTED&quot;"/>
-    <we:property name="creatorTenantId" value="&quot;fa878e4f-3c96-422c-81c7-cb4196ec4e25&quot;"/>
-    <we:property name="reportEmbeddedTime" value="&quot;2022-10-13T21:11:53.408Z&quot;"/>
-    <we:property name="creatorSessionId" value="&quot;3696708f-c56c-4ce6-94aa-7626b33c3c0e&quot;"/>
+    <we:property name="reportEmbeddedTime" value="&quot;2023-01-03T21:37:45.312Z&quot;"/>
+    <we:property name="creatorSessionId" value="&quot;9c062365-e31f-4e85-a676-92339c01b00d&quot;"/>
     <we:property name="creatorUserId" value="&quot;100320023D519A1D&quot;"/>
-    <we:property name="reportName" value="&quot;Power BI Portfolio Project (8)&quot;"/>
+    <we:property name="reportName" value="&quot;Power BI Portfolio Project (9)&quot;"/>
     <we:property name="isFiltersActionButtonVisible" value="true"/>
-    <we:property name="initialStateBookmark" value="&quot;H4sIAAAAAAAAA+1XTW/aQBD9K2gvuaDKX9g4N6C0hzQJClEuVVSN7THZZPFa63UKRfz3zq5p2rhJoFEJPfRmzwwzb96+2TErlvGqFLA8gzmyYzaU8m4O6q7jsi4rNrbz85PTwcXJl7PB6ZjMstRcFhU7XjENaob6ilc1CJOBjJ+vuwyEmMDMvOUgKuyyElUlCxD8GzbB5NKqxnWX4aIUUoFJOdWg0aS9p3B6p9ruO58qQqr5PU4x1Y31Akup9ObdD6J+GoT9uJf3e0noO0kQ0m+qxmthbo83RS2wkSw08IIAGFvouhBhEIR54PXR6YdhPzL2nAu9CUmW40WpqG9iY1kavkbUxUwqnoJgtj+FVdPOio2kqOf2afzIPpW1SvECc+sqNNdLylSiLAWyNdE0UZJItNYpCKw6DaXWdyO/jhRS1YwdO+vuA5BBdg9FStY2ilOEqla4K4zKFGyjuJQaRGcwl3WhD41iKBcb10FANCSYEzFIXsSxb21MeKpNO79juCZLxYuZ2EzgT8lfNtA0JALHCzPgyS2NilE3/UaqDNVwaQX+nqsfM+h2Wyj3oGzCTP7I9fMoysHPaAK9BIO8nx98Bj/Y4p1k2blEmL+G7krwFNUjttkc6To1DxlosO2UTUmOjV9m1o222xX7xAlEk/sKRG3SHg2h4umRYW/DX3N5EvbbX25EG17ZEnuhgypTRBoEUR57PfTABTrBOIzdtzw6JbPaUNtCu6mwPPS19ezluVU8qeVhdANK7zivXnte99DG+voZtT0Q/gq9bT/DRmtJ1uuHmZ87Id0RSep7Tpxs1dq/sSH/nuKFTKFhvYXlI8q32kt/PnT/5b7rATZSj3p55GVO6DpR6se92A2izGR5eb3jQieytd7tfgDHozSOG/txEOehn2K4NRuf0/d9O5dN99Q6k7WuSkhxAgU+sdZIblBkmG1ZbeYPA7M1CAqnj5Ud4xva1t8B30aKoOsMAAA=&quot;"/>
-    <we:property name="bookmark" value="&quot;H4sIAAAAAAAAA+1XTW/aQBD9K2gvuaDKX9g4N6C0hzQJClEuVVSN7THZZPFa63UKRfz3zq5p2rhJoFEJPfRmzwwzb96+2TErlvGqFLA8gzmyYzaU8m4O6q7jsi4rNrbz85PTwcXJl7PB6ZjMstRcFhU7XjENaob6ilc1CJOBjJ+vuwyEmMDMvOUgKuyyElUlCxD8GzbB5NKqxnWX4aIUUoFJOdWg0aS9p3B6p9ruO58qQqr5PU4x1Y31Akup9ObdD6J+GoT9uJf3e0noO0kQ0m+qxmthbo83RS2wkSw08IIAGFvouhBhEIR54PXR6YdhPzL2nAu9CUmW40WpqG9iY1kavkbUxUwqnoJgtj+FVdPOio2kqOf2afzIPpW1SvECc+sqNNdLylSiLAWyNdE0UZJItNYpCKw6DaXWdyO/jhRS1YwdO+vuA5BBdg9FStY2ilOEqla4K4zKFGyjuJQaRGcwl3WhD41iKBcb10FANCSYEzFIXsSxb21MeKpNO79juCZLxYuZ2EzgT8lfNtA0JALHCzPgyS2NilE3/UaqDNVwaQX+nqsfM+h2Wyj3oGzCTP7I9fMoysHPaAK9BIO8nx98Bj/Y4p1k2blEmL+G7krwFNUjttkc6To1DxlosO2UTUmOjV9m1o222xX7xAlEk/sKRG3SHg2h4umRYW/DX3N5EvbbX25EG17ZEnuhgypTRBoEUR57PfTABTrBOIzdtzw6JbPaUNtCu6mwPPS19ezluVU8qeVhdANK7zivXnte99DG+voZtT0Q/gq9bT/DRmtJ1uuHmZ87Id0RSep7Tpxs1dq/sSH/nuKFTKFhvYXlI8q32kt/PnT/5b7rATZSj3p55GVO6DpR6se92A2izGR5eb3jQieytd7tfgDHozSOG/txEOehn2K4NRuf0/d9O5dN99Q6k7WuSkhxAgU+sdZIblBkmG1ZbeYPA7M1CAqnj5Ud4xva1t8B30aKoOsMAAA=&quot;"/>
-    <we:property name="embedUrl" value="&quot;/reportEmbed?reportId=1a9c70f2-4186-4e54-b2b9-0b2f163cb38c&amp;config=eyJjbHVzdGVyVXJsIjoiaHR0cHM6Ly9XQUJJLVdFU1QtVVMtRS1QUklNQVJZLXJlZGlyZWN0LmFuYWx5c2lzLndpbmRvd3MubmV0IiwiZW1iZWRGZWF0dXJlcyI6eyJtb2Rlcm5FbWJlZCI6dHJ1ZSwidXNhZ2VNZXRyaWNzVk5leHQiOnRydWUsInNraXBRdWVyeURhdGFTYWFTRW1iZWQiOnRydWUsInNraXBRdWVyeURhdGFQYWFTRW1iZWQiOnRydWUsInNraXBRdWVyeURhdGFFeHBvcnRUbyI6dHJ1ZX19&amp;disableSensitivityBanner=true&quot;"/>
-    <we:property name="datasetId" value="&quot;3c2e5826-84e7-49bb-8d5f-85106b9d7806&quot;"/>
+    <we:property name="initialStateBookmark" value="&quot;H4sIAAAAAAAAA91XS3PbOAz+Kx5eevHs6GVJzM3xuj1002aSTC+dzg5EQi5bWtRQVNbeTP57QUp9xE3iTnYSZ3uTAAr4AHwAoSsmVddq2L6BNbIjdmzM5zXYz5OYTVkzyt6+fX0yP3v995v5yZLEpnXKNB07umIO7ArdO9X1oL0FEr7/MGWg9Sms/FsNusMpa9F2pgGt/sXhMKmc7fF6ynDTamPBmzx34NCbvaTj9E6+4z9S8gjCqUs8R+EG6Rm2xrrxPc2KUmR5yWd1OavyNKqynL7pBm2Auf+8dxqALUzjQDUEwMvyOIYCsyyvs6TEqMzzsvDyWmk3Hqm2y01rKW7Kxrb1+VpQFCtjlQDNQnwWuyGcK7Ywul+Hp+UN+bnprcAzrIOqccptyVKLptXIrilNp9ZQEoP0HDR2kyGlQffR/LOwSF4lO4qup9+AzOUlNIKkuyhOELre4q/C6LzDXRQXxoGezNemb9yhURybzag6CIghCb4iHsm9OB6bG6dKOB/Ozxg+kKRTzUqPHfid8hcDNAeVxuXGN3j1iVrFs5u+MVaiPd4Ggv+p7NceTKY7KB+BU4SZ9EWc1kVRQyqpA5MKs7qsD96DL4PzSbWdXCCsH5LuTiuB9ka22RppnPoHCQ5COO3gUuGgNzKoMUR7xf5SBGKw/Q50782+OIZOiRc+e2P+huFJ2D/9MBHD8S64eJR0kGc6IbKsqHkywwRioArynMdPWTprZO9Tu4N29LA99Ni6c3juJY8IeVh8BOueVb/ewbZvCX8A3/bXcOBaJWdlLtM6ymlGVCJNIl49Ide0ETDEuwP0FZqnuhGeOd0XfefM2tfi/874HyN5DNLvIdNA+GJWF4mM8jgqRMpnPM4K6a3cf8njxlVm55IPtwRECZmJYp7yjNd5KjDfa02tacv/2RYWdcIjnoGIy1lU81mB0d5WvJOA89XK4grc+Lr8Dx1ya0m/L48v+2bkTvQQhoKVD6XmgWIcFoS8gpzzWJa0X3HIqohH8vmW6+YU+X1Ldk+cYQB46W2ro+ld14LAU2jwlhWSigWNRLlnjfQ/5yz4oIQp+jH4xfMjti9DYJmEVxAAAA==&quot;"/>
+    <we:property name="bookmark" value="&quot;H4sIAAAAAAAAA91XTVMbMQz9K5m99JLp7Fd219wghV7aDlOYXjoctLYcDM56x+ulSZn898reFEoKpEMHQntbS470JD3JynUkVNdqWH6COUZ70YExl3Owl6MkGkfNXVkFOeNQVhkWWOexzGTlb5nWKdN00d515MDO0H1RXQ/aGyTh17NxBFofw8yfJOgOx1GLtjMNaPUdh8ukcrbH1TjCRauNBW/yxIFDb/aKrtOZoCRvM/II3KkrPEHuBulnbI1163OWlxXPi4pNZDWpiyyu84J+0w3aAHP7fe80AJuaxoFqCICXFUkCJeZ5IfO0wrgqiqr0cqm0W1+pl4eL1lLclI1l69M3pShmxioOOgrxWeyGcK6jqdH9PHwd3pGfmN5y/IwyqBqn3JIstWhajdGK0nRsDSUxSE9AYzcaUhp05+bb1CJ5FdFevBrfANkXV9Bwkm6i+IjQ9Rb/FEbnHW6iODUO9Gh/bvrG7RrFgVmsVTsBMSTBV8QjeRTHc3PjWHHnw/kdwxlJOtXM9LoDbyl/OkBzUGs8XPgGry+oVTy76TfGCrQHy0Dwd8r+7MF0vIHyGThFmElfJpksSwmZoA5Ma8xlJXfeg0fB+ahejk4R5k9Jd6cVR3sn29EcaZz6DwEOQjjt4FLhoDciqDFEex19UARisP0FdO/NvjmATvE3Pnvr/A3Dk7Bf/DIRw/UuuHiWdJBnusHzvJQsnWAKCVAFWcGSlyydNaL3qd1Au/aw3PXYenB4biUPD3mYnoN1r6pfH2DbTcKfwLftNRy4VotJVYhMxgXNiJpnaczqF+SaNhyGeDeAvkfzUi/CK6f7tO+cmfta/OuM/zWS5yD9FjINhC8nskxFXCRxyTM2YUleCm/l8UceF642G498eCUgTslMnLCM5UwWGcdiqzU1py3/d1tYypTFLAeeVJNYskmJ8dZWfJCA+7OZxRm49fHwLzrk3pLeLo9HfbPmTvwUhoIVT6XmjmIcFoSihoKxRFS0XzHI65jF4vWW6+4U+X9L9kicYQB46X2ro+ld1wLHY2jwnhWSigWNQLFljQz/22+WyNXqB3GbAzg3EAAA&quot;"/>
+    <we:property name="embedUrl" value="&quot;/reportEmbed?reportId=c32934d9-3895-4880-b3e4-72c6d0ea7560&amp;config=eyJjbHVzdGVyVXJsIjoiaHR0cHM6Ly9XQUJJLVdFU1QtVVMtRS1QUklNQVJZLXJlZGlyZWN0LmFuYWx5c2lzLndpbmRvd3MubmV0IiwiZW1iZWRGZWF0dXJlcyI6eyJtb2Rlcm5FbWJlZCI6dHJ1ZSwidXNhZ2VNZXRyaWNzVk5leHQiOnRydWV9fQ%3D%3D&amp;disableSensitivityBanner=true&quot;"/>
+    <we:property name="datasetId" value="&quot;251f1453-0536-416e-b783-0d29a0693157&quot;"/>
     <we:property name="pageName" value="&quot;ReportSection3478c46895f85b630b46&quot;"/>
     <we:property name="pageDisplayName" value="&quot;Sales Performance Report&quot;"/>
     <we:property name="backgroundColor" value="&quot;rgb(255,255,255)&quot;"/>
@@ -3966,23 +3917,23 @@
 </file>
 
 <file path=ppt/webextensions/webextension3.xml><?xml version="1.0" encoding="utf-8"?>
-<we:webextension xmlns:we="http://schemas.microsoft.com/office/webextensions/webextension/2010/11" id="{78d5de7a-cc13-4183-86d5-9320b5b608ec}">
+<we:webextension xmlns:we="http://schemas.microsoft.com/office/webextensions/webextension/2010/11" id="{4d488b7d-1d4b-4a79-bffc-716f09ca7746}">
   <we:reference id="WA200003233" version="2.0.0.3" store="en-US" storeType="OMEX"/>
   <we:alternateReferences/>
   <we:properties>
     <we:property name="Microsoft.Office.CampaignId" value="&quot;none&quot;"/>
-    <we:property name="reportUrl" value="&quot;/groups/me/reports/1a9c70f2-4186-4e54-b2b9-0b2f163cb38c/ReportSection328bae0bbba842263bfb?bookmarkGuid=deaf99c6-ab6d-40ed-8011-a191c5772f7b&amp;bookmarkUsage=1&amp;ctid=fa878e4f-3c96-422c-81c7-cb4196ec4e25&amp;fromEntryPoint=export&quot;"/>
+    <we:property name="creatorTenantId" value="&quot;fa878e4f-3c96-422c-81c7-cb4196ec4e25&quot;"/>
+    <we:property name="reportUrl" value="&quot;/groups/me/reports/c32934d9-3895-4880-b3e4-72c6d0ea7560/ReportSection328bae0bbba842263bfb?bookmarkGuid=dc7a292d-5dcb-46dc-ac88-2d04113bacd7&amp;bookmarkUsage=1&amp;ctid=fa878e4f-3c96-422c-81c7-cb4196ec4e25&amp;fromEntryPoint=export&quot;"/>
     <we:property name="reportState" value="&quot;CONNECTED&quot;"/>
-    <we:property name="creatorTenantId" value="&quot;fa878e4f-3c96-422c-81c7-cb4196ec4e25&quot;"/>
-    <we:property name="reportEmbeddedTime" value="&quot;2022-10-13T21:12:51.416Z&quot;"/>
-    <we:property name="creatorSessionId" value="&quot;4a77432f-2f48-4cce-8f44-17a33b5d1265&quot;"/>
+    <we:property name="reportEmbeddedTime" value="&quot;2023-01-03T21:38:48.786Z&quot;"/>
+    <we:property name="creatorSessionId" value="&quot;c5896c84-ff20-47ff-b35c-eb4b97fc52f7&quot;"/>
     <we:property name="creatorUserId" value="&quot;100320023D519A1D&quot;"/>
-    <we:property name="reportName" value="&quot;Power BI Portfolio Project (8)&quot;"/>
+    <we:property name="reportName" value="&quot;Power BI Portfolio Project (9)&quot;"/>
     <we:property name="isFiltersActionButtonVisible" value="true"/>
     <we:property name="initialStateBookmark" value="&quot;H4sIAAAAAAAAA+1W32/aMBD+V5Cf0ZSQBkLfGEWa1NIyWlWapmo6Jxdwa+LIcRhZxf/esxNaNqZ26ttonsDfHffjs+87HlkiilxCdQkrZKfss1IPK9APHZ91WdZgV1fn09H8/MflaDohWOVGqKxgp4/MgF6guRVFCdJGIPD7XZeBlDNY2FMKssAuy1EXKgMpfmHtTCajS9x2GW5yqTTYkNcGDNqwa3KnM+X2PwWUEWIj1niNsanROeZKm+Yc9CIO6HHOITrp9foBTzn9pqitrsy3/W1SV9hYZQZERgVYLDnxg2HMPUDoh0EaQxj5Fk+FNI0LryabXFPfxEaVW75GyRqyGBPmmtNY1L08si8CNeh4WV3gGqVFJn+3H5pmWhGHproFLWquVKljPHSs8TmmzpQZYSgaK0DSbWyJ7uaen+NQkbvYBJ/ZC7Bue6U4sPMCWHPTAPuGoB2wVD/HGskxYafetvvMxZighdIiBvkB6PhagqZ30TLyzMiUxmn5Kh8faFrOoHofFVOEotTvqH+v2BtlQHbGZWHUykrXYSF3hBQiW8hGo19E8aauT5Iujpf0xO0S4Pckp1YBtzt9pmT3e6LbPPTKSePxXeZO+o6xtz0dO8b2dqJ0t7VoOAxChCCKEh4O+oGfeJHX7vh2x7c7vt3x/+WOH61UmZl2wbcLvl3wFuV+Gnm9eNDzIhh63smw5/VtGa+OgsGN4Wrz+yDYaCn2+WDocz+CJIBwEAae92Y0sYIF/hnLhXtBGP0tXzjqVGmKHGKcQYZuuPKaCoHOj3QDssSOtPuu7eeFoOusE9+CLF0HurSkUQ4qRXCJ/+hf07Z9Ap3DfYAaEgAA&quot;"/>
-    <we:property name="bookmark" value="&quot;H4sIAAAAAAAAA+1W32/aMBD+V5Cf0ZSQBkLfGEWa1NIyWlWapmo6Jxdwa+LIcRhZxf/esxNaNqZ26ttonsDfHffjs+87HlkiilxCdQkrZKfss1IPK9APHZ91WdZgV1fn09H8/MflaDohWOVGqKxgp4/MgF6guRVFCdJGIPD7XZeBlDNY2FMKssAuy1EXKgMpfmHtTCajS9x2GW5yqTTYkNcGDNqwa3KnM+X2PwWUEWIj1niNsanROeZKm+Yc9CIO6HHOITrp9foBTzn9pqitrsy3/W1SV9hYZQZERgVYLDnxg2HMPUDoh0EaQxj5Fk+FNI0LryabXFPfxEaVW75GyRqyGBPmmtNY1L08si8CNeh4WV3gGqVFJn+3H5pmWhGHproFLWquVKljPHSs8TmmzpQZYSgaK0DSbWyJ7uaen+NQkbvYBJ/ZC7Bue6U4sPMCWHPTAPuGoB2wVD/HGskxYafetvvMxZighdIiBvkB6PhagqZ30TLyzMiUxmn5Kh8faFrOoHofFVOEotTvqH+v2BtlQHbGZWHUykrXYSF3hBQiW8hGo19E8aauT5Iujpf0xO0S4Pckp1YBtzt9pmT3e6LbPPTKSePxXeZO+o6xtz0dO8b2dqJ0t7VoOAxChCCKEh4O+oGfeJHX7vh2x7c7vt3x/+WOH61UmZl2wbcLvl3wFuV+Gnm9eNDzIhh63smw5/VtGa+OgsGN4Wrz+yDYaCn2+WDocz+CJIBwEAae92Y0sYIF/hnLhXtBGP0tXzjqVGmKHGKcQYZuuPKaCoHOj3QDssSOtPuu7eeFoOusE9+CLF0HurSkUQ4qRXCJ/+hf07Z9Ap3DfYAaEgAA&quot;"/>
-    <we:property name="embedUrl" value="&quot;/reportEmbed?reportId=1a9c70f2-4186-4e54-b2b9-0b2f163cb38c&amp;config=eyJjbHVzdGVyVXJsIjoiaHR0cHM6Ly9XQUJJLVdFU1QtVVMtRS1QUklNQVJZLXJlZGlyZWN0LmFuYWx5c2lzLndpbmRvd3MubmV0IiwiZW1iZWRGZWF0dXJlcyI6eyJtb2Rlcm5FbWJlZCI6dHJ1ZSwidXNhZ2VNZXRyaWNzVk5leHQiOnRydWUsInNraXBRdWVyeURhdGFTYWFTRW1iZWQiOnRydWUsInNraXBRdWVyeURhdGFQYWFTRW1iZWQiOnRydWUsInNraXBRdWVyeURhdGFFeHBvcnRUbyI6dHJ1ZX19&amp;disableSensitivityBanner=true&quot;"/>
-    <we:property name="datasetId" value="&quot;3c2e5826-84e7-49bb-8d5f-85106b9d7806&quot;"/>
+    <we:property name="bookmark" value="&quot;H4sIAAAAAAAAA+1WTW/bMAz9K4XOweCPOHF669ICO7RD1hYFhiIHyqYTtYplyHIWr/B/HyU7H12GFuhtqU+JHhmKfBQf88JSURYS6u+wQnbOvir1vAL9fOazActfY5gM/YkfwhjTLIWA+wlYL1UYofKSnb8wA3qB5kGUFUgbkMDH+YCBlDNY2FMGssQBK1CXKgcpfmPrTCajK2wGDDeFVBpsyDsDBm3YNbnTmVLxv4R0IyRGrPEOE9Oit1gobbpzGMQc0OOcQzwMglHIM06/KVurS/N9f3upS2yqcgMipwQslg79cJJwDxBGUZglEMW+xTMhTefC66tNoaluYqMuLH0X6RryBFPmitNYtrW8sG8CNehkWV/jGqVFrv5tPzbNtCIOTf0AWrRcqUoneOzY4reYOVNuhKForARJ3WiI7q7tuziU5DY2wZe2AdbtIBUHnu0Ba+4KYD8RtAOW6tdUIzmm7NxrBjsupgQtlBYJyE9Ax48KNL2LnpEdIzc0Tss3+fhE03IJ9ceouEEoK/2B/A+SvVcG5Nm0Ko1aWek6TmROSCnyhew0ei+K921+knRxuqQnbpcAfyI5tQrYbPWZLns6EN3uoddOGk+vmVvpO8XaDnTsFMvbitK8sWg0CSOEMI5THo1HoZ96sdfv+H7H9zu+3/H/5Y6/WKkqN/2C7xd8v+Atyv0s9oJkHHgxTDxvOAm8kU3jzVEwuDFcbV4Pgo2W4YiPJz73Y0hDiMZR6HnvRhMrWODfsVy4PcLob/nCUacqUxaQ4AxydMNVtFQIdH6kG5CndqTdd20/rwW1s734AWTlKtCVJa1paWj+AJ5wh6D5EQAA&quot;"/>
+    <we:property name="embedUrl" value="&quot;/reportEmbed?reportId=c32934d9-3895-4880-b3e4-72c6d0ea7560&amp;config=eyJjbHVzdGVyVXJsIjoiaHR0cHM6Ly9XQUJJLVdFU1QtVVMtRS1QUklNQVJZLXJlZGlyZWN0LmFuYWx5c2lzLndpbmRvd3MubmV0IiwiZW1iZWRGZWF0dXJlcyI6eyJtb2Rlcm5FbWJlZCI6dHJ1ZSwidXNhZ2VNZXRyaWNzVk5leHQiOnRydWV9fQ%3D%3D&amp;disableSensitivityBanner=true&quot;"/>
+    <we:property name="datasetId" value="&quot;251f1453-0536-416e-b783-0d29a0693157&quot;"/>
     <we:property name="pageName" value="&quot;ReportSection328bae0bbba842263bfb&quot;"/>
     <we:property name="pageDisplayName" value="&quot;Sales Trend and Forecasts&quot;"/>
     <we:property name="backgroundColor" value="&quot;rgb(255,255,255)&quot;"/>
@@ -4002,6 +3953,15 @@
 </file>
 
 <file path=customXml/item2.xml><?xml version="1.0" encoding="utf-8"?>
+<?mso-contentType ?>
+<FormTemplates xmlns="http://schemas.microsoft.com/sharepoint/v3/contenttype/forms">
+  <Display>DocumentLibraryForm</Display>
+  <Edit>DocumentLibraryForm</Edit>
+  <New>DocumentLibraryForm</New>
+</FormTemplates>
+</file>
+
+<file path=customXml/item3.xml><?xml version="1.0" encoding="utf-8"?>
 <ct:contentTypeSchema xmlns:ct="http://schemas.microsoft.com/office/2006/metadata/contentType" xmlns:ma="http://schemas.microsoft.com/office/2006/metadata/properties/metaAttributes" ct:_="" ma:_="" ma:contentTypeName="Document" ma:contentTypeID="0x010100CD401524DC532D42A0E0ED886331A72B" ma:contentTypeVersion="15" ma:contentTypeDescription="Create a new document." ma:contentTypeScope="" ma:versionID="aba17d7263e5a17e1efe42a3571abb41">
   <xsd:schema xmlns:xsd="http://www.w3.org/2001/XMLSchema" xmlns:xs="http://www.w3.org/2001/XMLSchema" xmlns:p="http://schemas.microsoft.com/office/2006/metadata/properties" xmlns:ns2="f577acbf-5b0b-4b4f-9948-268e97f8d3a4" xmlns:ns3="b1e4d6ee-9f6f-43f8-a618-24f3d84da28f" targetNamespace="http://schemas.microsoft.com/office/2006/metadata/properties" ma:root="true" ma:fieldsID="e4e3c9c8ed1c3d723d02c9f1cb24d19a" ns2:_="" ns3:_="">
     <xsd:import namespace="f577acbf-5b0b-4b4f-9948-268e97f8d3a4"/>
@@ -4257,15 +4217,6 @@
 </ct:contentTypeSchema>
 </file>
 
-<file path=customXml/item3.xml><?xml version="1.0" encoding="utf-8"?>
-<?mso-contentType ?>
-<FormTemplates xmlns="http://schemas.microsoft.com/sharepoint/v3/contenttype/forms">
-  <Display>DocumentLibraryForm</Display>
-  <Edit>DocumentLibraryForm</Edit>
-  <New>DocumentLibraryForm</New>
-</FormTemplates>
-</file>
-
 <file path=customXml/itemProps1.xml><?xml version="1.0" encoding="utf-8"?>
 <ds:datastoreItem xmlns:ds="http://schemas.openxmlformats.org/officeDocument/2006/customXml" ds:itemID="{617AB1FA-2F28-4684-9230-02ACEB6C0B0A}">
   <ds:schemaRefs>
@@ -4284,6 +4235,14 @@
 </file>
 
 <file path=customXml/itemProps2.xml><?xml version="1.0" encoding="utf-8"?>
+<ds:datastoreItem xmlns:ds="http://schemas.openxmlformats.org/officeDocument/2006/customXml" ds:itemID="{E21AFCC0-734A-4A90-A597-A1CB34860DCD}">
+  <ds:schemaRefs>
+    <ds:schemaRef ds:uri="http://schemas.microsoft.com/sharepoint/v3/contenttype/forms"/>
+  </ds:schemaRefs>
+</ds:datastoreItem>
+</file>
+
+<file path=customXml/itemProps3.xml><?xml version="1.0" encoding="utf-8"?>
 <ds:datastoreItem xmlns:ds="http://schemas.openxmlformats.org/officeDocument/2006/customXml" ds:itemID="{1DD29C39-1C4E-4B06-A1F4-2510F2DACF6E}">
   <ds:schemaRefs>
     <ds:schemaRef ds:uri="http://schemas.microsoft.com/office/2006/metadata/contentType"/>
@@ -4300,12 +4259,4 @@
     <ds:schemaRef ds:uri="http://schemas.microsoft.com/internal/obd"/>
   </ds:schemaRefs>
 </ds:datastoreItem>
-</file>
-
-<file path=customXml/itemProps3.xml><?xml version="1.0" encoding="utf-8"?>
-<ds:datastoreItem xmlns:ds="http://schemas.openxmlformats.org/officeDocument/2006/customXml" ds:itemID="{E21AFCC0-734A-4A90-A597-A1CB34860DCD}">
-  <ds:schemaRefs>
-    <ds:schemaRef ds:uri="http://schemas.microsoft.com/sharepoint/v3/contenttype/forms"/>
-  </ds:schemaRefs>
-</ds:datastoreItem>
 </file>